--- a/reports/SCF/images/CI_tree.pptx
+++ b/reports/SCF/images/CI_tree.pptx
@@ -104,6 +104,11 @@
       </a:defRPr>
     </a:lvl9pPr>
   </p:defaultTextStyle>
+  <p:extLst>
+    <p:ext uri="{EFAFB233-063F-42B5-8137-9DF3F51BA10A}">
+      <p15:sldGuideLst xmlns:p15="http://schemas.microsoft.com/office/powerpoint/2012/main"/>
+    </p:ext>
+  </p:extLst>
 </p:presentation>
 </file>
 
@@ -256,7 +261,7 @@
           <a:p>
             <a:fld id="{537279C1-7C4C-3647-A594-B818617AC1C0}" type="datetimeFigureOut">
               <a:rPr lang="en-LU" smtClean="0"/>
-              <a:t>17/09/2021</a:t>
+              <a:t>29/10/2021</a:t>
             </a:fld>
             <a:endParaRPr lang="en-LU"/>
           </a:p>
@@ -456,7 +461,7 @@
           <a:p>
             <a:fld id="{537279C1-7C4C-3647-A594-B818617AC1C0}" type="datetimeFigureOut">
               <a:rPr lang="en-LU" smtClean="0"/>
-              <a:t>17/09/2021</a:t>
+              <a:t>29/10/2021</a:t>
             </a:fld>
             <a:endParaRPr lang="en-LU"/>
           </a:p>
@@ -666,7 +671,7 @@
           <a:p>
             <a:fld id="{537279C1-7C4C-3647-A594-B818617AC1C0}" type="datetimeFigureOut">
               <a:rPr lang="en-LU" smtClean="0"/>
-              <a:t>17/09/2021</a:t>
+              <a:t>29/10/2021</a:t>
             </a:fld>
             <a:endParaRPr lang="en-LU"/>
           </a:p>
@@ -866,7 +871,7 @@
           <a:p>
             <a:fld id="{537279C1-7C4C-3647-A594-B818617AC1C0}" type="datetimeFigureOut">
               <a:rPr lang="en-LU" smtClean="0"/>
-              <a:t>17/09/2021</a:t>
+              <a:t>29/10/2021</a:t>
             </a:fld>
             <a:endParaRPr lang="en-LU"/>
           </a:p>
@@ -1142,7 +1147,7 @@
           <a:p>
             <a:fld id="{537279C1-7C4C-3647-A594-B818617AC1C0}" type="datetimeFigureOut">
               <a:rPr lang="en-LU" smtClean="0"/>
-              <a:t>17/09/2021</a:t>
+              <a:t>29/10/2021</a:t>
             </a:fld>
             <a:endParaRPr lang="en-LU"/>
           </a:p>
@@ -1410,7 +1415,7 @@
           <a:p>
             <a:fld id="{537279C1-7C4C-3647-A594-B818617AC1C0}" type="datetimeFigureOut">
               <a:rPr lang="en-LU" smtClean="0"/>
-              <a:t>17/09/2021</a:t>
+              <a:t>29/10/2021</a:t>
             </a:fld>
             <a:endParaRPr lang="en-LU"/>
           </a:p>
@@ -1825,7 +1830,7 @@
           <a:p>
             <a:fld id="{537279C1-7C4C-3647-A594-B818617AC1C0}" type="datetimeFigureOut">
               <a:rPr lang="en-LU" smtClean="0"/>
-              <a:t>17/09/2021</a:t>
+              <a:t>29/10/2021</a:t>
             </a:fld>
             <a:endParaRPr lang="en-LU"/>
           </a:p>
@@ -1967,7 +1972,7 @@
           <a:p>
             <a:fld id="{537279C1-7C4C-3647-A594-B818617AC1C0}" type="datetimeFigureOut">
               <a:rPr lang="en-LU" smtClean="0"/>
-              <a:t>17/09/2021</a:t>
+              <a:t>29/10/2021</a:t>
             </a:fld>
             <a:endParaRPr lang="en-LU"/>
           </a:p>
@@ -2080,7 +2085,7 @@
           <a:p>
             <a:fld id="{537279C1-7C4C-3647-A594-B818617AC1C0}" type="datetimeFigureOut">
               <a:rPr lang="en-LU" smtClean="0"/>
-              <a:t>17/09/2021</a:t>
+              <a:t>29/10/2021</a:t>
             </a:fld>
             <a:endParaRPr lang="en-LU"/>
           </a:p>
@@ -2393,7 +2398,7 @@
           <a:p>
             <a:fld id="{537279C1-7C4C-3647-A594-B818617AC1C0}" type="datetimeFigureOut">
               <a:rPr lang="en-LU" smtClean="0"/>
-              <a:t>17/09/2021</a:t>
+              <a:t>29/10/2021</a:t>
             </a:fld>
             <a:endParaRPr lang="en-LU"/>
           </a:p>
@@ -2682,7 +2687,7 @@
           <a:p>
             <a:fld id="{537279C1-7C4C-3647-A594-B818617AC1C0}" type="datetimeFigureOut">
               <a:rPr lang="en-LU" smtClean="0"/>
-              <a:t>17/09/2021</a:t>
+              <a:t>29/10/2021</a:t>
             </a:fld>
             <a:endParaRPr lang="en-LU"/>
           </a:p>
@@ -2925,7 +2930,7 @@
           <a:p>
             <a:fld id="{537279C1-7C4C-3647-A594-B818617AC1C0}" type="datetimeFigureOut">
               <a:rPr lang="en-LU" smtClean="0"/>
-              <a:t>17/09/2021</a:t>
+              <a:t>29/10/2021</a:t>
             </a:fld>
             <a:endParaRPr lang="en-LU"/>
           </a:p>
@@ -4004,13 +4009,13 @@
           <p:nvPr>
             <p:extLst>
               <p:ext uri="{D42A27DB-BD31-4B8C-83A1-F6EECF244321}">
-                <p14:modId xmlns:p14="http://schemas.microsoft.com/office/powerpoint/2010/main" val="1758955777"/>
+                <p14:modId xmlns:p14="http://schemas.microsoft.com/office/powerpoint/2010/main" val="3014509509"/>
               </p:ext>
             </p:extLst>
           </p:nvPr>
         </p:nvGraphicFramePr>
         <p:xfrm>
-          <a:off x="6614425" y="3291299"/>
+          <a:off x="6614425" y="2819400"/>
           <a:ext cx="4787900" cy="609600"/>
         </p:xfrm>
         <a:graphic>
@@ -4034,14 +4039,34 @@
                     <a:p>
                       <a:pPr algn="l" fontAlgn="b"/>
                       <a:r>
-                        <a:rPr lang="en-US" sz="1200" b="1" i="0" u="none" strike="noStrike">
+                        <a:rPr lang="en-US" sz="1200" b="1" i="0" u="none" strike="noStrike" dirty="0">
                           <a:solidFill>
                             <a:srgbClr val="000000"/>
                           </a:solidFill>
                           <a:effectLst/>
                           <a:latin typeface="Calibri" panose="020F0502020204030204" pitchFamily="34" charset="0"/>
                         </a:rPr>
-                        <a:t>Data-driven Mutation Analysis with Tables (DAMAt)</a:t>
+                        <a:t>Data-driven Mutation Analysis with Tables (</a:t>
+                      </a:r>
+                      <a:r>
+                        <a:rPr lang="en-US" sz="1200" b="1" i="0" u="none" strike="noStrike" dirty="0" err="1">
+                          <a:solidFill>
+                            <a:srgbClr val="000000"/>
+                          </a:solidFill>
+                          <a:effectLst/>
+                          <a:latin typeface="Calibri" panose="020F0502020204030204" pitchFamily="34" charset="0"/>
+                        </a:rPr>
+                        <a:t>DAMAt</a:t>
+                      </a:r>
+                      <a:r>
+                        <a:rPr lang="en-US" sz="1200" b="1" i="0" u="none" strike="noStrike" dirty="0">
+                          <a:solidFill>
+                            <a:srgbClr val="000000"/>
+                          </a:solidFill>
+                          <a:effectLst/>
+                          <a:latin typeface="Calibri" panose="020F0502020204030204" pitchFamily="34" charset="0"/>
+                        </a:rPr>
+                        <a:t>)</a:t>
                       </a:r>
                     </a:p>
                   </a:txBody>
@@ -4312,6 +4337,239 @@
           </a:fontRef>
         </p:style>
       </p:cxnSp>
+      <p:graphicFrame>
+        <p:nvGraphicFramePr>
+          <p:cNvPr id="10" name="Table 9">
+            <a:extLst>
+              <a:ext uri="{FF2B5EF4-FFF2-40B4-BE49-F238E27FC236}">
+                <a16:creationId xmlns:a16="http://schemas.microsoft.com/office/drawing/2014/main" id="{342375E9-2820-0B43-BEE0-BCB38AB8A355}"/>
+              </a:ext>
+            </a:extLst>
+          </p:cNvPr>
+          <p:cNvGraphicFramePr>
+            <a:graphicFrameLocks noGrp="1"/>
+          </p:cNvGraphicFramePr>
+          <p:nvPr>
+            <p:extLst>
+              <p:ext uri="{D42A27DB-BD31-4B8C-83A1-F6EECF244321}">
+                <p14:modId xmlns:p14="http://schemas.microsoft.com/office/powerpoint/2010/main" val="3024686734"/>
+              </p:ext>
+            </p:extLst>
+          </p:nvPr>
+        </p:nvGraphicFramePr>
+        <p:xfrm>
+          <a:off x="6614425" y="3571547"/>
+          <a:ext cx="4787900" cy="609600"/>
+        </p:xfrm>
+        <a:graphic>
+          <a:graphicData uri="http://schemas.openxmlformats.org/drawingml/2006/table">
+            <a:tbl>
+              <a:tblPr/>
+              <a:tblGrid>
+                <a:gridCol w="4787900">
+                  <a:extLst>
+                    <a:ext uri="{9D8B030D-6E8A-4147-A177-3AD203B41FA5}">
+                      <a16:colId xmlns:a16="http://schemas.microsoft.com/office/drawing/2014/main" val="619211097"/>
+                    </a:ext>
+                  </a:extLst>
+                </a:gridCol>
+              </a:tblGrid>
+              <a:tr h="203200">
+                <a:tc>
+                  <a:txBody>
+                    <a:bodyPr/>
+                    <a:lstStyle/>
+                    <a:p>
+                      <a:pPr algn="l" fontAlgn="b"/>
+                      <a:r>
+                        <a:rPr lang="en-US" sz="1200" b="1" i="0" u="none" strike="noStrike" dirty="0">
+                          <a:solidFill>
+                            <a:srgbClr val="000000"/>
+                          </a:solidFill>
+                          <a:effectLst/>
+                          <a:latin typeface="Calibri" panose="020F0502020204030204" pitchFamily="34" charset="0"/>
+                        </a:rPr>
+                        <a:t>Data-driven Mutation Testing  (DAMTE)</a:t>
+                      </a:r>
+                    </a:p>
+                  </a:txBody>
+                  <a:tcPr marL="9525" marR="9525" marT="9525" marB="0" anchor="b">
+                    <a:lnL w="6350" cap="flat" cmpd="sng" algn="ctr">
+                      <a:solidFill>
+                        <a:srgbClr val="000000"/>
+                      </a:solidFill>
+                      <a:prstDash val="solid"/>
+                      <a:round/>
+                      <a:headEnd type="none" w="med" len="med"/>
+                      <a:tailEnd type="none" w="med" len="med"/>
+                    </a:lnL>
+                    <a:lnR w="6350" cap="flat" cmpd="sng" algn="ctr">
+                      <a:solidFill>
+                        <a:srgbClr val="000000"/>
+                      </a:solidFill>
+                      <a:prstDash val="solid"/>
+                      <a:round/>
+                      <a:headEnd type="none" w="med" len="med"/>
+                      <a:tailEnd type="none" w="med" len="med"/>
+                    </a:lnR>
+                    <a:lnT w="6350" cap="flat" cmpd="sng" algn="ctr">
+                      <a:solidFill>
+                        <a:srgbClr val="000000"/>
+                      </a:solidFill>
+                      <a:prstDash val="solid"/>
+                      <a:round/>
+                      <a:headEnd type="none" w="med" len="med"/>
+                      <a:tailEnd type="none" w="med" len="med"/>
+                    </a:lnT>
+                    <a:lnB w="6350" cap="flat" cmpd="sng" algn="ctr">
+                      <a:solidFill>
+                        <a:srgbClr val="000000"/>
+                      </a:solidFill>
+                      <a:prstDash val="solid"/>
+                      <a:round/>
+                      <a:headEnd type="none" w="med" len="med"/>
+                      <a:tailEnd type="none" w="med" len="med"/>
+                    </a:lnB>
+                  </a:tcPr>
+                </a:tc>
+                <a:extLst>
+                  <a:ext uri="{0D108BD9-81ED-4DB2-BD59-A6C34878D82A}">
+                    <a16:rowId xmlns:a16="http://schemas.microsoft.com/office/drawing/2014/main" val="3470998182"/>
+                  </a:ext>
+                </a:extLst>
+              </a:tr>
+              <a:tr h="203200">
+                <a:tc>
+                  <a:txBody>
+                    <a:bodyPr/>
+                    <a:lstStyle/>
+                    <a:p>
+                      <a:pPr algn="l" fontAlgn="b"/>
+                      <a:r>
+                        <a:rPr lang="en-US" sz="1200" b="0" i="0" u="none" strike="noStrike" dirty="0">
+                          <a:solidFill>
+                            <a:srgbClr val="000000"/>
+                          </a:solidFill>
+                          <a:effectLst/>
+                          <a:latin typeface="Calibri" panose="020F0502020204030204" pitchFamily="34" charset="0"/>
+                        </a:rPr>
+                        <a:t>Spec.: ITT-1-9873-ESA-FAQAS-SSS</a:t>
+                      </a:r>
+                    </a:p>
+                  </a:txBody>
+                  <a:tcPr marL="9525" marR="9525" marT="9525" marB="0" anchor="b">
+                    <a:lnL w="6350" cap="flat" cmpd="sng" algn="ctr">
+                      <a:solidFill>
+                        <a:srgbClr val="000000"/>
+                      </a:solidFill>
+                      <a:prstDash val="solid"/>
+                      <a:round/>
+                      <a:headEnd type="none" w="med" len="med"/>
+                      <a:tailEnd type="none" w="med" len="med"/>
+                    </a:lnL>
+                    <a:lnR w="6350" cap="flat" cmpd="sng" algn="ctr">
+                      <a:solidFill>
+                        <a:srgbClr val="000000"/>
+                      </a:solidFill>
+                      <a:prstDash val="solid"/>
+                      <a:round/>
+                      <a:headEnd type="none" w="med" len="med"/>
+                      <a:tailEnd type="none" w="med" len="med"/>
+                    </a:lnR>
+                    <a:lnT w="6350" cap="flat" cmpd="sng" algn="ctr">
+                      <a:solidFill>
+                        <a:srgbClr val="000000"/>
+                      </a:solidFill>
+                      <a:prstDash val="solid"/>
+                      <a:round/>
+                      <a:headEnd type="none" w="med" len="med"/>
+                      <a:tailEnd type="none" w="med" len="med"/>
+                    </a:lnT>
+                    <a:lnB w="6350" cap="flat" cmpd="sng" algn="ctr">
+                      <a:solidFill>
+                        <a:srgbClr val="000000"/>
+                      </a:solidFill>
+                      <a:prstDash val="solid"/>
+                      <a:round/>
+                      <a:headEnd type="none" w="med" len="med"/>
+                      <a:tailEnd type="none" w="med" len="med"/>
+                    </a:lnB>
+                  </a:tcPr>
+                </a:tc>
+                <a:extLst>
+                  <a:ext uri="{0D108BD9-81ED-4DB2-BD59-A6C34878D82A}">
+                    <a16:rowId xmlns:a16="http://schemas.microsoft.com/office/drawing/2014/main" val="510725072"/>
+                  </a:ext>
+                </a:extLst>
+              </a:tr>
+              <a:tr h="203200">
+                <a:tc>
+                  <a:txBody>
+                    <a:bodyPr/>
+                    <a:lstStyle/>
+                    <a:p>
+                      <a:pPr algn="l" fontAlgn="b"/>
+                      <a:r>
+                        <a:rPr lang="en-US" sz="1200" b="0" i="0" u="none" strike="noStrike" dirty="0">
+                          <a:solidFill>
+                            <a:srgbClr val="000000"/>
+                          </a:solidFill>
+                          <a:effectLst/>
+                          <a:latin typeface="Calibri" panose="020F0502020204030204" pitchFamily="34" charset="0"/>
+                        </a:rPr>
+                        <a:t>CI: ITT-1-9873-ESA-FAQAS-DAMTE</a:t>
+                      </a:r>
+                    </a:p>
+                  </a:txBody>
+                  <a:tcPr marL="9525" marR="9525" marT="9525" marB="0" anchor="b">
+                    <a:lnL w="6350" cap="flat" cmpd="sng" algn="ctr">
+                      <a:solidFill>
+                        <a:srgbClr val="000000"/>
+                      </a:solidFill>
+                      <a:prstDash val="solid"/>
+                      <a:round/>
+                      <a:headEnd type="none" w="med" len="med"/>
+                      <a:tailEnd type="none" w="med" len="med"/>
+                    </a:lnL>
+                    <a:lnR w="6350" cap="flat" cmpd="sng" algn="ctr">
+                      <a:solidFill>
+                        <a:srgbClr val="000000"/>
+                      </a:solidFill>
+                      <a:prstDash val="solid"/>
+                      <a:round/>
+                      <a:headEnd type="none" w="med" len="med"/>
+                      <a:tailEnd type="none" w="med" len="med"/>
+                    </a:lnR>
+                    <a:lnT w="6350" cap="flat" cmpd="sng" algn="ctr">
+                      <a:solidFill>
+                        <a:srgbClr val="000000"/>
+                      </a:solidFill>
+                      <a:prstDash val="solid"/>
+                      <a:round/>
+                      <a:headEnd type="none" w="med" len="med"/>
+                      <a:tailEnd type="none" w="med" len="med"/>
+                    </a:lnT>
+                    <a:lnB w="6350" cap="flat" cmpd="sng" algn="ctr">
+                      <a:solidFill>
+                        <a:srgbClr val="000000"/>
+                      </a:solidFill>
+                      <a:prstDash val="solid"/>
+                      <a:round/>
+                      <a:headEnd type="none" w="med" len="med"/>
+                      <a:tailEnd type="none" w="med" len="med"/>
+                    </a:lnB>
+                  </a:tcPr>
+                </a:tc>
+                <a:extLst>
+                  <a:ext uri="{0D108BD9-81ED-4DB2-BD59-A6C34878D82A}">
+                    <a16:rowId xmlns:a16="http://schemas.microsoft.com/office/drawing/2014/main" val="1267754289"/>
+                  </a:ext>
+                </a:extLst>
+              </a:tr>
+            </a:tbl>
+          </a:graphicData>
+        </a:graphic>
+      </p:graphicFrame>
     </p:spTree>
     <p:extLst>
       <p:ext uri="{BB962C8B-B14F-4D97-AF65-F5344CB8AC3E}">
